--- a/자료구조설계 발표.pptx
+++ b/자료구조설계 발표.pptx
@@ -256,7 +256,7 @@
             <a:fld id="{9EF65A2A-883E-46AB-A09B-48BB996EB4D1}" type="datetimeFigureOut">
               <a:rPr lang="ko-KR" altLang="en-US" smtClean="0"/>
               <a:pPr/>
-              <a:t>2018-09-09</a:t>
+              <a:t>2018-09-10</a:t>
             </a:fld>
             <a:endParaRPr lang="ko-KR" altLang="en-US"/>
           </a:p>
@@ -701,7 +701,7 @@
             <a:fld id="{847D1A58-7246-4198-9CC7-CE4D61DA573D}" type="datetimeFigureOut">
               <a:rPr lang="ko-KR" altLang="en-US" smtClean="0"/>
               <a:pPr/>
-              <a:t>2018-09-09</a:t>
+              <a:t>2018-09-10</a:t>
             </a:fld>
             <a:endParaRPr lang="ko-KR" altLang="en-US"/>
           </a:p>
@@ -866,7 +866,7 @@
             <a:fld id="{847D1A58-7246-4198-9CC7-CE4D61DA573D}" type="datetimeFigureOut">
               <a:rPr lang="ko-KR" altLang="en-US" smtClean="0"/>
               <a:pPr/>
-              <a:t>2018-09-09</a:t>
+              <a:t>2018-09-10</a:t>
             </a:fld>
             <a:endParaRPr lang="ko-KR" altLang="en-US"/>
           </a:p>
@@ -1041,7 +1041,7 @@
             <a:fld id="{847D1A58-7246-4198-9CC7-CE4D61DA573D}" type="datetimeFigureOut">
               <a:rPr lang="ko-KR" altLang="en-US" smtClean="0"/>
               <a:pPr/>
-              <a:t>2018-09-09</a:t>
+              <a:t>2018-09-10</a:t>
             </a:fld>
             <a:endParaRPr lang="ko-KR" altLang="en-US"/>
           </a:p>
@@ -1206,7 +1206,7 @@
             <a:fld id="{847D1A58-7246-4198-9CC7-CE4D61DA573D}" type="datetimeFigureOut">
               <a:rPr lang="ko-KR" altLang="en-US" smtClean="0"/>
               <a:pPr/>
-              <a:t>2018-09-09</a:t>
+              <a:t>2018-09-10</a:t>
             </a:fld>
             <a:endParaRPr lang="ko-KR" altLang="en-US"/>
           </a:p>
@@ -1448,7 +1448,7 @@
             <a:fld id="{847D1A58-7246-4198-9CC7-CE4D61DA573D}" type="datetimeFigureOut">
               <a:rPr lang="ko-KR" altLang="en-US" smtClean="0"/>
               <a:pPr/>
-              <a:t>2018-09-09</a:t>
+              <a:t>2018-09-10</a:t>
             </a:fld>
             <a:endParaRPr lang="ko-KR" altLang="en-US"/>
           </a:p>
@@ -1730,7 +1730,7 @@
             <a:fld id="{847D1A58-7246-4198-9CC7-CE4D61DA573D}" type="datetimeFigureOut">
               <a:rPr lang="ko-KR" altLang="en-US" smtClean="0"/>
               <a:pPr/>
-              <a:t>2018-09-09</a:t>
+              <a:t>2018-09-10</a:t>
             </a:fld>
             <a:endParaRPr lang="ko-KR" altLang="en-US"/>
           </a:p>
@@ -2146,7 +2146,7 @@
             <a:fld id="{847D1A58-7246-4198-9CC7-CE4D61DA573D}" type="datetimeFigureOut">
               <a:rPr lang="ko-KR" altLang="en-US" smtClean="0"/>
               <a:pPr/>
-              <a:t>2018-09-09</a:t>
+              <a:t>2018-09-10</a:t>
             </a:fld>
             <a:endParaRPr lang="ko-KR" altLang="en-US"/>
           </a:p>
@@ -2260,7 +2260,7 @@
             <a:fld id="{847D1A58-7246-4198-9CC7-CE4D61DA573D}" type="datetimeFigureOut">
               <a:rPr lang="ko-KR" altLang="en-US" smtClean="0"/>
               <a:pPr/>
-              <a:t>2018-09-09</a:t>
+              <a:t>2018-09-10</a:t>
             </a:fld>
             <a:endParaRPr lang="ko-KR" altLang="en-US"/>
           </a:p>
@@ -2352,7 +2352,7 @@
             <a:fld id="{847D1A58-7246-4198-9CC7-CE4D61DA573D}" type="datetimeFigureOut">
               <a:rPr lang="ko-KR" altLang="en-US" smtClean="0"/>
               <a:pPr/>
-              <a:t>2018-09-09</a:t>
+              <a:t>2018-09-10</a:t>
             </a:fld>
             <a:endParaRPr lang="ko-KR" altLang="en-US"/>
           </a:p>
@@ -2624,7 +2624,7 @@
             <a:fld id="{847D1A58-7246-4198-9CC7-CE4D61DA573D}" type="datetimeFigureOut">
               <a:rPr lang="ko-KR" altLang="en-US" smtClean="0"/>
               <a:pPr/>
-              <a:t>2018-09-09</a:t>
+              <a:t>2018-09-10</a:t>
             </a:fld>
             <a:endParaRPr lang="ko-KR" altLang="en-US"/>
           </a:p>
@@ -2873,7 +2873,7 @@
             <a:fld id="{847D1A58-7246-4198-9CC7-CE4D61DA573D}" type="datetimeFigureOut">
               <a:rPr lang="ko-KR" altLang="en-US" smtClean="0"/>
               <a:pPr/>
-              <a:t>2018-09-09</a:t>
+              <a:t>2018-09-10</a:t>
             </a:fld>
             <a:endParaRPr lang="ko-KR" altLang="en-US"/>
           </a:p>
@@ -3081,7 +3081,7 @@
             <a:fld id="{847D1A58-7246-4198-9CC7-CE4D61DA573D}" type="datetimeFigureOut">
               <a:rPr lang="ko-KR" altLang="en-US" smtClean="0"/>
               <a:pPr/>
-              <a:t>2018-09-09</a:t>
+              <a:t>2018-09-10</a:t>
             </a:fld>
             <a:endParaRPr lang="ko-KR" altLang="en-US"/>
           </a:p>
@@ -10779,7 +10779,7 @@
         </p:nvSpPr>
         <p:spPr>
           <a:xfrm>
-            <a:off x="6435842" y="4584871"/>
+            <a:off x="6435842" y="4565891"/>
             <a:ext cx="936104" cy="709549"/>
           </a:xfrm>
           <a:prstGeom prst="ellipse">
@@ -11285,6 +11285,199 @@
                                           </p:stCondLst>
                                         </p:cTn>
                                         <p:tgtEl>
+                                          <p:spTgt spid="3"/>
+                                        </p:tgtEl>
+                                        <p:attrNameLst>
+                                          <p:attrName>style.visibility</p:attrName>
+                                        </p:attrNameLst>
+                                      </p:cBhvr>
+                                      <p:to>
+                                        <p:strVal val="visible"/>
+                                      </p:to>
+                                    </p:set>
+                                    <p:animEffect transition="in" filter="fade">
+                                      <p:cBhvr>
+                                        <p:cTn id="17" dur="500"/>
+                                        <p:tgtEl>
+                                          <p:spTgt spid="3"/>
+                                        </p:tgtEl>
+                                      </p:cBhvr>
+                                    </p:animEffect>
+                                  </p:childTnLst>
+                                </p:cTn>
+                              </p:par>
+                              <p:par>
+                                <p:cTn id="18" presetID="10" presetClass="entr" presetSubtype="0" fill="hold" grpId="0" nodeType="withEffect">
+                                  <p:stCondLst>
+                                    <p:cond delay="0"/>
+                                  </p:stCondLst>
+                                  <p:childTnLst>
+                                    <p:set>
+                                      <p:cBhvr>
+                                        <p:cTn id="19" dur="1" fill="hold">
+                                          <p:stCondLst>
+                                            <p:cond delay="0"/>
+                                          </p:stCondLst>
+                                        </p:cTn>
+                                        <p:tgtEl>
+                                          <p:spTgt spid="19"/>
+                                        </p:tgtEl>
+                                        <p:attrNameLst>
+                                          <p:attrName>style.visibility</p:attrName>
+                                        </p:attrNameLst>
+                                      </p:cBhvr>
+                                      <p:to>
+                                        <p:strVal val="visible"/>
+                                      </p:to>
+                                    </p:set>
+                                    <p:animEffect transition="in" filter="fade">
+                                      <p:cBhvr>
+                                        <p:cTn id="20" dur="500"/>
+                                        <p:tgtEl>
+                                          <p:spTgt spid="19"/>
+                                        </p:tgtEl>
+                                      </p:cBhvr>
+                                    </p:animEffect>
+                                  </p:childTnLst>
+                                </p:cTn>
+                              </p:par>
+                              <p:par>
+                                <p:cTn id="21" presetID="10" presetClass="entr" presetSubtype="0" fill="hold" grpId="0" nodeType="withEffect">
+                                  <p:stCondLst>
+                                    <p:cond delay="0"/>
+                                  </p:stCondLst>
+                                  <p:childTnLst>
+                                    <p:set>
+                                      <p:cBhvr>
+                                        <p:cTn id="22" dur="1" fill="hold">
+                                          <p:stCondLst>
+                                            <p:cond delay="0"/>
+                                          </p:stCondLst>
+                                        </p:cTn>
+                                        <p:tgtEl>
+                                          <p:spTgt spid="22"/>
+                                        </p:tgtEl>
+                                        <p:attrNameLst>
+                                          <p:attrName>style.visibility</p:attrName>
+                                        </p:attrNameLst>
+                                      </p:cBhvr>
+                                      <p:to>
+                                        <p:strVal val="visible"/>
+                                      </p:to>
+                                    </p:set>
+                                    <p:animEffect transition="in" filter="fade">
+                                      <p:cBhvr>
+                                        <p:cTn id="23" dur="500"/>
+                                        <p:tgtEl>
+                                          <p:spTgt spid="22"/>
+                                        </p:tgtEl>
+                                      </p:cBhvr>
+                                    </p:animEffect>
+                                  </p:childTnLst>
+                                </p:cTn>
+                              </p:par>
+                              <p:par>
+                                <p:cTn id="24" presetID="10" presetClass="entr" presetSubtype="0" fill="hold" grpId="0" nodeType="withEffect">
+                                  <p:stCondLst>
+                                    <p:cond delay="0"/>
+                                  </p:stCondLst>
+                                  <p:childTnLst>
+                                    <p:set>
+                                      <p:cBhvr>
+                                        <p:cTn id="25" dur="1" fill="hold">
+                                          <p:stCondLst>
+                                            <p:cond delay="0"/>
+                                          </p:stCondLst>
+                                        </p:cTn>
+                                        <p:tgtEl>
+                                          <p:spTgt spid="21"/>
+                                        </p:tgtEl>
+                                        <p:attrNameLst>
+                                          <p:attrName>style.visibility</p:attrName>
+                                        </p:attrNameLst>
+                                      </p:cBhvr>
+                                      <p:to>
+                                        <p:strVal val="visible"/>
+                                      </p:to>
+                                    </p:set>
+                                    <p:animEffect transition="in" filter="fade">
+                                      <p:cBhvr>
+                                        <p:cTn id="26" dur="500"/>
+                                        <p:tgtEl>
+                                          <p:spTgt spid="21"/>
+                                        </p:tgtEl>
+                                      </p:cBhvr>
+                                    </p:animEffect>
+                                  </p:childTnLst>
+                                </p:cTn>
+                              </p:par>
+                              <p:par>
+                                <p:cTn id="27" presetID="10" presetClass="entr" presetSubtype="0" fill="hold" grpId="0" nodeType="withEffect">
+                                  <p:stCondLst>
+                                    <p:cond delay="0"/>
+                                  </p:stCondLst>
+                                  <p:childTnLst>
+                                    <p:set>
+                                      <p:cBhvr>
+                                        <p:cTn id="28" dur="1" fill="hold">
+                                          <p:stCondLst>
+                                            <p:cond delay="0"/>
+                                          </p:stCondLst>
+                                        </p:cTn>
+                                        <p:tgtEl>
+                                          <p:spTgt spid="20"/>
+                                        </p:tgtEl>
+                                        <p:attrNameLst>
+                                          <p:attrName>style.visibility</p:attrName>
+                                        </p:attrNameLst>
+                                      </p:cBhvr>
+                                      <p:to>
+                                        <p:strVal val="visible"/>
+                                      </p:to>
+                                    </p:set>
+                                    <p:animEffect transition="in" filter="fade">
+                                      <p:cBhvr>
+                                        <p:cTn id="29" dur="500"/>
+                                        <p:tgtEl>
+                                          <p:spTgt spid="20"/>
+                                        </p:tgtEl>
+                                      </p:cBhvr>
+                                    </p:animEffect>
+                                  </p:childTnLst>
+                                </p:cTn>
+                              </p:par>
+                            </p:childTnLst>
+                          </p:cTn>
+                        </p:par>
+                      </p:childTnLst>
+                    </p:cTn>
+                  </p:par>
+                  <p:par>
+                    <p:cTn id="30" fill="hold">
+                      <p:stCondLst>
+                        <p:cond delay="indefinite"/>
+                      </p:stCondLst>
+                      <p:childTnLst>
+                        <p:par>
+                          <p:cTn id="31" fill="hold">
+                            <p:stCondLst>
+                              <p:cond delay="0"/>
+                            </p:stCondLst>
+                            <p:childTnLst>
+                              <p:par>
+                                <p:cTn id="32" presetID="10" presetClass="entr" presetSubtype="0" fill="hold" grpId="0" nodeType="clickEffect">
+                                  <p:stCondLst>
+                                    <p:cond delay="0"/>
+                                  </p:stCondLst>
+                                  <p:childTnLst>
+                                    <p:set>
+                                      <p:cBhvr>
+                                        <p:cTn id="33" dur="1" fill="hold">
+                                          <p:stCondLst>
+                                            <p:cond delay="0"/>
+                                          </p:stCondLst>
+                                        </p:cTn>
+                                        <p:tgtEl>
                                           <p:spTgt spid="38"/>
                                         </p:tgtEl>
                                         <p:attrNameLst>
@@ -11297,7 +11490,7 @@
                                     </p:set>
                                     <p:animEffect transition="in" filter="fade">
                                       <p:cBhvr>
-                                        <p:cTn id="17" dur="500"/>
+                                        <p:cTn id="34" dur="500"/>
                                         <p:tgtEl>
                                           <p:spTgt spid="38"/>
                                         </p:tgtEl>
@@ -11313,26 +11506,324 @@
                     </p:cTn>
                   </p:par>
                   <p:par>
-                    <p:cTn id="18" fill="hold">
+                    <p:cTn id="35" fill="hold">
                       <p:stCondLst>
                         <p:cond delay="indefinite"/>
                       </p:stCondLst>
                       <p:childTnLst>
                         <p:par>
-                          <p:cTn id="19" fill="hold">
+                          <p:cTn id="36" fill="hold">
                             <p:stCondLst>
                               <p:cond delay="0"/>
                             </p:stCondLst>
                             <p:childTnLst>
                               <p:par>
-                                <p:cTn id="20" presetID="10" presetClass="entr" presetSubtype="0" fill="hold" grpId="0" nodeType="clickEffect">
+                                <p:cTn id="37" presetID="10" presetClass="entr" presetSubtype="0" fill="hold" grpId="0" nodeType="clickEffect">
                                   <p:stCondLst>
                                     <p:cond delay="0"/>
                                   </p:stCondLst>
                                   <p:childTnLst>
                                     <p:set>
                                       <p:cBhvr>
-                                        <p:cTn id="21" dur="1" fill="hold">
+                                        <p:cTn id="38" dur="1" fill="hold">
+                                          <p:stCondLst>
+                                            <p:cond delay="0"/>
+                                          </p:stCondLst>
+                                        </p:cTn>
+                                        <p:tgtEl>
+                                          <p:spTgt spid="28"/>
+                                        </p:tgtEl>
+                                        <p:attrNameLst>
+                                          <p:attrName>style.visibility</p:attrName>
+                                        </p:attrNameLst>
+                                      </p:cBhvr>
+                                      <p:to>
+                                        <p:strVal val="visible"/>
+                                      </p:to>
+                                    </p:set>
+                                    <p:animEffect transition="in" filter="fade">
+                                      <p:cBhvr>
+                                        <p:cTn id="39" dur="500"/>
+                                        <p:tgtEl>
+                                          <p:spTgt spid="28"/>
+                                        </p:tgtEl>
+                                      </p:cBhvr>
+                                    </p:animEffect>
+                                  </p:childTnLst>
+                                </p:cTn>
+                              </p:par>
+                              <p:par>
+                                <p:cTn id="40" presetID="10" presetClass="entr" presetSubtype="0" fill="hold" grpId="0" nodeType="withEffect">
+                                  <p:stCondLst>
+                                    <p:cond delay="0"/>
+                                  </p:stCondLst>
+                                  <p:childTnLst>
+                                    <p:set>
+                                      <p:cBhvr>
+                                        <p:cTn id="41" dur="1" fill="hold">
+                                          <p:stCondLst>
+                                            <p:cond delay="0"/>
+                                          </p:stCondLst>
+                                        </p:cTn>
+                                        <p:tgtEl>
+                                          <p:spTgt spid="9"/>
+                                        </p:tgtEl>
+                                        <p:attrNameLst>
+                                          <p:attrName>style.visibility</p:attrName>
+                                        </p:attrNameLst>
+                                      </p:cBhvr>
+                                      <p:to>
+                                        <p:strVal val="visible"/>
+                                      </p:to>
+                                    </p:set>
+                                    <p:animEffect transition="in" filter="fade">
+                                      <p:cBhvr>
+                                        <p:cTn id="42" dur="500"/>
+                                        <p:tgtEl>
+                                          <p:spTgt spid="9"/>
+                                        </p:tgtEl>
+                                      </p:cBhvr>
+                                    </p:animEffect>
+                                  </p:childTnLst>
+                                </p:cTn>
+                              </p:par>
+                              <p:par>
+                                <p:cTn id="43" presetID="10" presetClass="entr" presetSubtype="0" fill="hold" grpId="0" nodeType="withEffect">
+                                  <p:stCondLst>
+                                    <p:cond delay="0"/>
+                                  </p:stCondLst>
+                                  <p:childTnLst>
+                                    <p:set>
+                                      <p:cBhvr>
+                                        <p:cTn id="44" dur="1" fill="hold">
+                                          <p:stCondLst>
+                                            <p:cond delay="0"/>
+                                          </p:stCondLst>
+                                        </p:cTn>
+                                        <p:tgtEl>
+                                          <p:spTgt spid="27"/>
+                                        </p:tgtEl>
+                                        <p:attrNameLst>
+                                          <p:attrName>style.visibility</p:attrName>
+                                        </p:attrNameLst>
+                                      </p:cBhvr>
+                                      <p:to>
+                                        <p:strVal val="visible"/>
+                                      </p:to>
+                                    </p:set>
+                                    <p:animEffect transition="in" filter="fade">
+                                      <p:cBhvr>
+                                        <p:cTn id="45" dur="500"/>
+                                        <p:tgtEl>
+                                          <p:spTgt spid="27"/>
+                                        </p:tgtEl>
+                                      </p:cBhvr>
+                                    </p:animEffect>
+                                  </p:childTnLst>
+                                </p:cTn>
+                              </p:par>
+                              <p:par>
+                                <p:cTn id="46" presetID="10" presetClass="entr" presetSubtype="0" fill="hold" grpId="0" nodeType="withEffect">
+                                  <p:stCondLst>
+                                    <p:cond delay="0"/>
+                                  </p:stCondLst>
+                                  <p:childTnLst>
+                                    <p:set>
+                                      <p:cBhvr>
+                                        <p:cTn id="47" dur="1" fill="hold">
+                                          <p:stCondLst>
+                                            <p:cond delay="0"/>
+                                          </p:stCondLst>
+                                        </p:cTn>
+                                        <p:tgtEl>
+                                          <p:spTgt spid="32"/>
+                                        </p:tgtEl>
+                                        <p:attrNameLst>
+                                          <p:attrName>style.visibility</p:attrName>
+                                        </p:attrNameLst>
+                                      </p:cBhvr>
+                                      <p:to>
+                                        <p:strVal val="visible"/>
+                                      </p:to>
+                                    </p:set>
+                                    <p:animEffect transition="in" filter="fade">
+                                      <p:cBhvr>
+                                        <p:cTn id="48" dur="500"/>
+                                        <p:tgtEl>
+                                          <p:spTgt spid="32"/>
+                                        </p:tgtEl>
+                                      </p:cBhvr>
+                                    </p:animEffect>
+                                  </p:childTnLst>
+                                </p:cTn>
+                              </p:par>
+                              <p:par>
+                                <p:cTn id="49" presetID="10" presetClass="entr" presetSubtype="0" fill="hold" grpId="0" nodeType="withEffect">
+                                  <p:stCondLst>
+                                    <p:cond delay="0"/>
+                                  </p:stCondLst>
+                                  <p:childTnLst>
+                                    <p:set>
+                                      <p:cBhvr>
+                                        <p:cTn id="50" dur="1" fill="hold">
+                                          <p:stCondLst>
+                                            <p:cond delay="0"/>
+                                          </p:stCondLst>
+                                        </p:cTn>
+                                        <p:tgtEl>
+                                          <p:spTgt spid="29"/>
+                                        </p:tgtEl>
+                                        <p:attrNameLst>
+                                          <p:attrName>style.visibility</p:attrName>
+                                        </p:attrNameLst>
+                                      </p:cBhvr>
+                                      <p:to>
+                                        <p:strVal val="visible"/>
+                                      </p:to>
+                                    </p:set>
+                                    <p:animEffect transition="in" filter="fade">
+                                      <p:cBhvr>
+                                        <p:cTn id="51" dur="500"/>
+                                        <p:tgtEl>
+                                          <p:spTgt spid="29"/>
+                                        </p:tgtEl>
+                                      </p:cBhvr>
+                                    </p:animEffect>
+                                  </p:childTnLst>
+                                </p:cTn>
+                              </p:par>
+                              <p:par>
+                                <p:cTn id="52" presetID="10" presetClass="entr" presetSubtype="0" fill="hold" grpId="0" nodeType="withEffect">
+                                  <p:stCondLst>
+                                    <p:cond delay="0"/>
+                                  </p:stCondLst>
+                                  <p:childTnLst>
+                                    <p:set>
+                                      <p:cBhvr>
+                                        <p:cTn id="53" dur="1" fill="hold">
+                                          <p:stCondLst>
+                                            <p:cond delay="0"/>
+                                          </p:stCondLst>
+                                        </p:cTn>
+                                        <p:tgtEl>
+                                          <p:spTgt spid="30"/>
+                                        </p:tgtEl>
+                                        <p:attrNameLst>
+                                          <p:attrName>style.visibility</p:attrName>
+                                        </p:attrNameLst>
+                                      </p:cBhvr>
+                                      <p:to>
+                                        <p:strVal val="visible"/>
+                                      </p:to>
+                                    </p:set>
+                                    <p:animEffect transition="in" filter="fade">
+                                      <p:cBhvr>
+                                        <p:cTn id="54" dur="500"/>
+                                        <p:tgtEl>
+                                          <p:spTgt spid="30"/>
+                                        </p:tgtEl>
+                                      </p:cBhvr>
+                                    </p:animEffect>
+                                  </p:childTnLst>
+                                </p:cTn>
+                              </p:par>
+                              <p:par>
+                                <p:cTn id="55" presetID="10" presetClass="entr" presetSubtype="0" fill="hold" grpId="0" nodeType="withEffect">
+                                  <p:stCondLst>
+                                    <p:cond delay="0"/>
+                                  </p:stCondLst>
+                                  <p:childTnLst>
+                                    <p:set>
+                                      <p:cBhvr>
+                                        <p:cTn id="56" dur="1" fill="hold">
+                                          <p:stCondLst>
+                                            <p:cond delay="0"/>
+                                          </p:stCondLst>
+                                        </p:cTn>
+                                        <p:tgtEl>
+                                          <p:spTgt spid="31"/>
+                                        </p:tgtEl>
+                                        <p:attrNameLst>
+                                          <p:attrName>style.visibility</p:attrName>
+                                        </p:attrNameLst>
+                                      </p:cBhvr>
+                                      <p:to>
+                                        <p:strVal val="visible"/>
+                                      </p:to>
+                                    </p:set>
+                                    <p:animEffect transition="in" filter="fade">
+                                      <p:cBhvr>
+                                        <p:cTn id="57" dur="500"/>
+                                        <p:tgtEl>
+                                          <p:spTgt spid="31"/>
+                                        </p:tgtEl>
+                                      </p:cBhvr>
+                                    </p:animEffect>
+                                  </p:childTnLst>
+                                </p:cTn>
+                              </p:par>
+                              <p:par>
+                                <p:cTn id="58" presetID="10" presetClass="entr" presetSubtype="0" fill="hold" grpId="0" nodeType="withEffect">
+                                  <p:stCondLst>
+                                    <p:cond delay="0"/>
+                                  </p:stCondLst>
+                                  <p:childTnLst>
+                                    <p:set>
+                                      <p:cBhvr>
+                                        <p:cTn id="59" dur="1" fill="hold">
+                                          <p:stCondLst>
+                                            <p:cond delay="0"/>
+                                          </p:stCondLst>
+                                        </p:cTn>
+                                        <p:tgtEl>
+                                          <p:spTgt spid="34"/>
+                                        </p:tgtEl>
+                                        <p:attrNameLst>
+                                          <p:attrName>style.visibility</p:attrName>
+                                        </p:attrNameLst>
+                                      </p:cBhvr>
+                                      <p:to>
+                                        <p:strVal val="visible"/>
+                                      </p:to>
+                                    </p:set>
+                                    <p:animEffect transition="in" filter="fade">
+                                      <p:cBhvr>
+                                        <p:cTn id="60" dur="500"/>
+                                        <p:tgtEl>
+                                          <p:spTgt spid="34"/>
+                                        </p:tgtEl>
+                                      </p:cBhvr>
+                                    </p:animEffect>
+                                  </p:childTnLst>
+                                </p:cTn>
+                              </p:par>
+                            </p:childTnLst>
+                          </p:cTn>
+                        </p:par>
+                      </p:childTnLst>
+                    </p:cTn>
+                  </p:par>
+                  <p:par>
+                    <p:cTn id="61" fill="hold">
+                      <p:stCondLst>
+                        <p:cond delay="indefinite"/>
+                      </p:stCondLst>
+                      <p:childTnLst>
+                        <p:par>
+                          <p:cTn id="62" fill="hold">
+                            <p:stCondLst>
+                              <p:cond delay="0"/>
+                            </p:stCondLst>
+                            <p:childTnLst>
+                              <p:par>
+                                <p:cTn id="63" presetID="10" presetClass="entr" presetSubtype="0" fill="hold" grpId="0" nodeType="clickEffect">
+                                  <p:stCondLst>
+                                    <p:cond delay="0"/>
+                                  </p:stCondLst>
+                                  <p:childTnLst>
+                                    <p:set>
+                                      <p:cBhvr>
+                                        <p:cTn id="64" dur="1" fill="hold">
                                           <p:stCondLst>
                                             <p:cond delay="0"/>
                                           </p:stCondLst>
@@ -11350,7 +11841,7 @@
                                     </p:set>
                                     <p:animEffect transition="in" filter="fade">
                                       <p:cBhvr>
-                                        <p:cTn id="22" dur="500"/>
+                                        <p:cTn id="65" dur="500"/>
                                         <p:tgtEl>
                                           <p:spTgt spid="39"/>
                                         </p:tgtEl>
@@ -11366,32 +11857,32 @@
                     </p:cTn>
                   </p:par>
                   <p:par>
-                    <p:cTn id="23" fill="hold">
+                    <p:cTn id="66" fill="hold">
                       <p:stCondLst>
                         <p:cond delay="indefinite"/>
                       </p:stCondLst>
                       <p:childTnLst>
                         <p:par>
-                          <p:cTn id="24" fill="hold">
+                          <p:cTn id="67" fill="hold">
                             <p:stCondLst>
                               <p:cond delay="0"/>
                             </p:stCondLst>
                             <p:childTnLst>
                               <p:par>
-                                <p:cTn id="25" presetID="2" presetClass="entr" presetSubtype="4" fill="hold" grpId="0" nodeType="clickEffect">
+                                <p:cTn id="68" presetID="42" presetClass="entr" presetSubtype="0" fill="hold" grpId="0" nodeType="clickEffect">
                                   <p:stCondLst>
                                     <p:cond delay="0"/>
                                   </p:stCondLst>
                                   <p:childTnLst>
                                     <p:set>
                                       <p:cBhvr>
-                                        <p:cTn id="26" dur="1" fill="hold">
+                                        <p:cTn id="69" dur="1" fill="hold">
                                           <p:stCondLst>
                                             <p:cond delay="0"/>
                                           </p:stCondLst>
                                         </p:cTn>
                                         <p:tgtEl>
-                                          <p:spTgt spid="3"/>
+                                          <p:spTgt spid="35"/>
                                         </p:tgtEl>
                                         <p:attrNameLst>
                                           <p:attrName>style.visibility</p:attrName>
@@ -11401,11 +11892,19 @@
                                         <p:strVal val="visible"/>
                                       </p:to>
                                     </p:set>
+                                    <p:animEffect transition="in" filter="fade">
+                                      <p:cBhvr>
+                                        <p:cTn id="70" dur="1000"/>
+                                        <p:tgtEl>
+                                          <p:spTgt spid="35"/>
+                                        </p:tgtEl>
+                                      </p:cBhvr>
+                                    </p:animEffect>
                                     <p:anim calcmode="lin" valueType="num">
-                                      <p:cBhvr additive="base">
-                                        <p:cTn id="27" dur="500" fill="hold"/>
+                                      <p:cBhvr>
+                                        <p:cTn id="71" dur="1000" fill="hold"/>
                                         <p:tgtEl>
-                                          <p:spTgt spid="3"/>
+                                          <p:spTgt spid="35"/>
                                         </p:tgtEl>
                                         <p:attrNameLst>
                                           <p:attrName>ppt_x</p:attrName>
@@ -11425,10 +11924,10 @@
                                       </p:tavLst>
                                     </p:anim>
                                     <p:anim calcmode="lin" valueType="num">
-                                      <p:cBhvr additive="base">
-                                        <p:cTn id="28" dur="500" fill="hold"/>
+                                      <p:cBhvr>
+                                        <p:cTn id="72" dur="1000" fill="hold"/>
                                         <p:tgtEl>
-                                          <p:spTgt spid="3"/>
+                                          <p:spTgt spid="35"/>
                                         </p:tgtEl>
                                         <p:attrNameLst>
                                           <p:attrName>ppt_y</p:attrName>
@@ -11437,883 +11936,7 @@
                                       <p:tavLst>
                                         <p:tav tm="0">
                                           <p:val>
-                                            <p:strVal val="1+#ppt_h/2"/>
-                                          </p:val>
-                                        </p:tav>
-                                        <p:tav tm="100000">
-                                          <p:val>
-                                            <p:strVal val="#ppt_y"/>
-                                          </p:val>
-                                        </p:tav>
-                                      </p:tavLst>
-                                    </p:anim>
-                                  </p:childTnLst>
-                                </p:cTn>
-                              </p:par>
-                              <p:par>
-                                <p:cTn id="29" presetID="2" presetClass="entr" presetSubtype="4" fill="hold" grpId="0" nodeType="withEffect">
-                                  <p:stCondLst>
-                                    <p:cond delay="0"/>
-                                  </p:stCondLst>
-                                  <p:childTnLst>
-                                    <p:set>
-                                      <p:cBhvr>
-                                        <p:cTn id="30" dur="1" fill="hold">
-                                          <p:stCondLst>
-                                            <p:cond delay="0"/>
-                                          </p:stCondLst>
-                                        </p:cTn>
-                                        <p:tgtEl>
-                                          <p:spTgt spid="28"/>
-                                        </p:tgtEl>
-                                        <p:attrNameLst>
-                                          <p:attrName>style.visibility</p:attrName>
-                                        </p:attrNameLst>
-                                      </p:cBhvr>
-                                      <p:to>
-                                        <p:strVal val="visible"/>
-                                      </p:to>
-                                    </p:set>
-                                    <p:anim calcmode="lin" valueType="num">
-                                      <p:cBhvr additive="base">
-                                        <p:cTn id="31" dur="500" fill="hold"/>
-                                        <p:tgtEl>
-                                          <p:spTgt spid="28"/>
-                                        </p:tgtEl>
-                                        <p:attrNameLst>
-                                          <p:attrName>ppt_x</p:attrName>
-                                        </p:attrNameLst>
-                                      </p:cBhvr>
-                                      <p:tavLst>
-                                        <p:tav tm="0">
-                                          <p:val>
-                                            <p:strVal val="#ppt_x"/>
-                                          </p:val>
-                                        </p:tav>
-                                        <p:tav tm="100000">
-                                          <p:val>
-                                            <p:strVal val="#ppt_x"/>
-                                          </p:val>
-                                        </p:tav>
-                                      </p:tavLst>
-                                    </p:anim>
-                                    <p:anim calcmode="lin" valueType="num">
-                                      <p:cBhvr additive="base">
-                                        <p:cTn id="32" dur="500" fill="hold"/>
-                                        <p:tgtEl>
-                                          <p:spTgt spid="28"/>
-                                        </p:tgtEl>
-                                        <p:attrNameLst>
-                                          <p:attrName>ppt_y</p:attrName>
-                                        </p:attrNameLst>
-                                      </p:cBhvr>
-                                      <p:tavLst>
-                                        <p:tav tm="0">
-                                          <p:val>
-                                            <p:strVal val="1+#ppt_h/2"/>
-                                          </p:val>
-                                        </p:tav>
-                                        <p:tav tm="100000">
-                                          <p:val>
-                                            <p:strVal val="#ppt_y"/>
-                                          </p:val>
-                                        </p:tav>
-                                      </p:tavLst>
-                                    </p:anim>
-                                  </p:childTnLst>
-                                </p:cTn>
-                              </p:par>
-                              <p:par>
-                                <p:cTn id="33" presetID="2" presetClass="entr" presetSubtype="4" fill="hold" grpId="0" nodeType="withEffect">
-                                  <p:stCondLst>
-                                    <p:cond delay="0"/>
-                                  </p:stCondLst>
-                                  <p:childTnLst>
-                                    <p:set>
-                                      <p:cBhvr>
-                                        <p:cTn id="34" dur="1" fill="hold">
-                                          <p:stCondLst>
-                                            <p:cond delay="0"/>
-                                          </p:stCondLst>
-                                        </p:cTn>
-                                        <p:tgtEl>
-                                          <p:spTgt spid="19"/>
-                                        </p:tgtEl>
-                                        <p:attrNameLst>
-                                          <p:attrName>style.visibility</p:attrName>
-                                        </p:attrNameLst>
-                                      </p:cBhvr>
-                                      <p:to>
-                                        <p:strVal val="visible"/>
-                                      </p:to>
-                                    </p:set>
-                                    <p:anim calcmode="lin" valueType="num">
-                                      <p:cBhvr additive="base">
-                                        <p:cTn id="35" dur="500" fill="hold"/>
-                                        <p:tgtEl>
-                                          <p:spTgt spid="19"/>
-                                        </p:tgtEl>
-                                        <p:attrNameLst>
-                                          <p:attrName>ppt_x</p:attrName>
-                                        </p:attrNameLst>
-                                      </p:cBhvr>
-                                      <p:tavLst>
-                                        <p:tav tm="0">
-                                          <p:val>
-                                            <p:strVal val="#ppt_x"/>
-                                          </p:val>
-                                        </p:tav>
-                                        <p:tav tm="100000">
-                                          <p:val>
-                                            <p:strVal val="#ppt_x"/>
-                                          </p:val>
-                                        </p:tav>
-                                      </p:tavLst>
-                                    </p:anim>
-                                    <p:anim calcmode="lin" valueType="num">
-                                      <p:cBhvr additive="base">
-                                        <p:cTn id="36" dur="500" fill="hold"/>
-                                        <p:tgtEl>
-                                          <p:spTgt spid="19"/>
-                                        </p:tgtEl>
-                                        <p:attrNameLst>
-                                          <p:attrName>ppt_y</p:attrName>
-                                        </p:attrNameLst>
-                                      </p:cBhvr>
-                                      <p:tavLst>
-                                        <p:tav tm="0">
-                                          <p:val>
-                                            <p:strVal val="1+#ppt_h/2"/>
-                                          </p:val>
-                                        </p:tav>
-                                        <p:tav tm="100000">
-                                          <p:val>
-                                            <p:strVal val="#ppt_y"/>
-                                          </p:val>
-                                        </p:tav>
-                                      </p:tavLst>
-                                    </p:anim>
-                                  </p:childTnLst>
-                                </p:cTn>
-                              </p:par>
-                              <p:par>
-                                <p:cTn id="37" presetID="2" presetClass="entr" presetSubtype="4" fill="hold" grpId="0" nodeType="withEffect">
-                                  <p:stCondLst>
-                                    <p:cond delay="0"/>
-                                  </p:stCondLst>
-                                  <p:childTnLst>
-                                    <p:set>
-                                      <p:cBhvr>
-                                        <p:cTn id="38" dur="1" fill="hold">
-                                          <p:stCondLst>
-                                            <p:cond delay="0"/>
-                                          </p:stCondLst>
-                                        </p:cTn>
-                                        <p:tgtEl>
-                                          <p:spTgt spid="34"/>
-                                        </p:tgtEl>
-                                        <p:attrNameLst>
-                                          <p:attrName>style.visibility</p:attrName>
-                                        </p:attrNameLst>
-                                      </p:cBhvr>
-                                      <p:to>
-                                        <p:strVal val="visible"/>
-                                      </p:to>
-                                    </p:set>
-                                    <p:anim calcmode="lin" valueType="num">
-                                      <p:cBhvr additive="base">
-                                        <p:cTn id="39" dur="500" fill="hold"/>
-                                        <p:tgtEl>
-                                          <p:spTgt spid="34"/>
-                                        </p:tgtEl>
-                                        <p:attrNameLst>
-                                          <p:attrName>ppt_x</p:attrName>
-                                        </p:attrNameLst>
-                                      </p:cBhvr>
-                                      <p:tavLst>
-                                        <p:tav tm="0">
-                                          <p:val>
-                                            <p:strVal val="#ppt_x"/>
-                                          </p:val>
-                                        </p:tav>
-                                        <p:tav tm="100000">
-                                          <p:val>
-                                            <p:strVal val="#ppt_x"/>
-                                          </p:val>
-                                        </p:tav>
-                                      </p:tavLst>
-                                    </p:anim>
-                                    <p:anim calcmode="lin" valueType="num">
-                                      <p:cBhvr additive="base">
-                                        <p:cTn id="40" dur="500" fill="hold"/>
-                                        <p:tgtEl>
-                                          <p:spTgt spid="34"/>
-                                        </p:tgtEl>
-                                        <p:attrNameLst>
-                                          <p:attrName>ppt_y</p:attrName>
-                                        </p:attrNameLst>
-                                      </p:cBhvr>
-                                      <p:tavLst>
-                                        <p:tav tm="0">
-                                          <p:val>
-                                            <p:strVal val="1+#ppt_h/2"/>
-                                          </p:val>
-                                        </p:tav>
-                                        <p:tav tm="100000">
-                                          <p:val>
-                                            <p:strVal val="#ppt_y"/>
-                                          </p:val>
-                                        </p:tav>
-                                      </p:tavLst>
-                                    </p:anim>
-                                  </p:childTnLst>
-                                </p:cTn>
-                              </p:par>
-                              <p:par>
-                                <p:cTn id="41" presetID="2" presetClass="entr" presetSubtype="4" fill="hold" grpId="0" nodeType="withEffect">
-                                  <p:stCondLst>
-                                    <p:cond delay="0"/>
-                                  </p:stCondLst>
-                                  <p:childTnLst>
-                                    <p:set>
-                                      <p:cBhvr>
-                                        <p:cTn id="42" dur="1" fill="hold">
-                                          <p:stCondLst>
-                                            <p:cond delay="0"/>
-                                          </p:stCondLst>
-                                        </p:cTn>
-                                        <p:tgtEl>
-                                          <p:spTgt spid="20"/>
-                                        </p:tgtEl>
-                                        <p:attrNameLst>
-                                          <p:attrName>style.visibility</p:attrName>
-                                        </p:attrNameLst>
-                                      </p:cBhvr>
-                                      <p:to>
-                                        <p:strVal val="visible"/>
-                                      </p:to>
-                                    </p:set>
-                                    <p:anim calcmode="lin" valueType="num">
-                                      <p:cBhvr additive="base">
-                                        <p:cTn id="43" dur="500" fill="hold"/>
-                                        <p:tgtEl>
-                                          <p:spTgt spid="20"/>
-                                        </p:tgtEl>
-                                        <p:attrNameLst>
-                                          <p:attrName>ppt_x</p:attrName>
-                                        </p:attrNameLst>
-                                      </p:cBhvr>
-                                      <p:tavLst>
-                                        <p:tav tm="0">
-                                          <p:val>
-                                            <p:strVal val="#ppt_x"/>
-                                          </p:val>
-                                        </p:tav>
-                                        <p:tav tm="100000">
-                                          <p:val>
-                                            <p:strVal val="#ppt_x"/>
-                                          </p:val>
-                                        </p:tav>
-                                      </p:tavLst>
-                                    </p:anim>
-                                    <p:anim calcmode="lin" valueType="num">
-                                      <p:cBhvr additive="base">
-                                        <p:cTn id="44" dur="500" fill="hold"/>
-                                        <p:tgtEl>
-                                          <p:spTgt spid="20"/>
-                                        </p:tgtEl>
-                                        <p:attrNameLst>
-                                          <p:attrName>ppt_y</p:attrName>
-                                        </p:attrNameLst>
-                                      </p:cBhvr>
-                                      <p:tavLst>
-                                        <p:tav tm="0">
-                                          <p:val>
-                                            <p:strVal val="1+#ppt_h/2"/>
-                                          </p:val>
-                                        </p:tav>
-                                        <p:tav tm="100000">
-                                          <p:val>
-                                            <p:strVal val="#ppt_y"/>
-                                          </p:val>
-                                        </p:tav>
-                                      </p:tavLst>
-                                    </p:anim>
-                                  </p:childTnLst>
-                                </p:cTn>
-                              </p:par>
-                              <p:par>
-                                <p:cTn id="45" presetID="2" presetClass="entr" presetSubtype="4" fill="hold" grpId="0" nodeType="withEffect">
-                                  <p:stCondLst>
-                                    <p:cond delay="0"/>
-                                  </p:stCondLst>
-                                  <p:childTnLst>
-                                    <p:set>
-                                      <p:cBhvr>
-                                        <p:cTn id="46" dur="1" fill="hold">
-                                          <p:stCondLst>
-                                            <p:cond delay="0"/>
-                                          </p:stCondLst>
-                                        </p:cTn>
-                                        <p:tgtEl>
-                                          <p:spTgt spid="31"/>
-                                        </p:tgtEl>
-                                        <p:attrNameLst>
-                                          <p:attrName>style.visibility</p:attrName>
-                                        </p:attrNameLst>
-                                      </p:cBhvr>
-                                      <p:to>
-                                        <p:strVal val="visible"/>
-                                      </p:to>
-                                    </p:set>
-                                    <p:anim calcmode="lin" valueType="num">
-                                      <p:cBhvr additive="base">
-                                        <p:cTn id="47" dur="500" fill="hold"/>
-                                        <p:tgtEl>
-                                          <p:spTgt spid="31"/>
-                                        </p:tgtEl>
-                                        <p:attrNameLst>
-                                          <p:attrName>ppt_x</p:attrName>
-                                        </p:attrNameLst>
-                                      </p:cBhvr>
-                                      <p:tavLst>
-                                        <p:tav tm="0">
-                                          <p:val>
-                                            <p:strVal val="#ppt_x"/>
-                                          </p:val>
-                                        </p:tav>
-                                        <p:tav tm="100000">
-                                          <p:val>
-                                            <p:strVal val="#ppt_x"/>
-                                          </p:val>
-                                        </p:tav>
-                                      </p:tavLst>
-                                    </p:anim>
-                                    <p:anim calcmode="lin" valueType="num">
-                                      <p:cBhvr additive="base">
-                                        <p:cTn id="48" dur="500" fill="hold"/>
-                                        <p:tgtEl>
-                                          <p:spTgt spid="31"/>
-                                        </p:tgtEl>
-                                        <p:attrNameLst>
-                                          <p:attrName>ppt_y</p:attrName>
-                                        </p:attrNameLst>
-                                      </p:cBhvr>
-                                      <p:tavLst>
-                                        <p:tav tm="0">
-                                          <p:val>
-                                            <p:strVal val="1+#ppt_h/2"/>
-                                          </p:val>
-                                        </p:tav>
-                                        <p:tav tm="100000">
-                                          <p:val>
-                                            <p:strVal val="#ppt_y"/>
-                                          </p:val>
-                                        </p:tav>
-                                      </p:tavLst>
-                                    </p:anim>
-                                  </p:childTnLst>
-                                </p:cTn>
-                              </p:par>
-                              <p:par>
-                                <p:cTn id="49" presetID="2" presetClass="entr" presetSubtype="4" fill="hold" grpId="0" nodeType="withEffect">
-                                  <p:stCondLst>
-                                    <p:cond delay="0"/>
-                                  </p:stCondLst>
-                                  <p:childTnLst>
-                                    <p:set>
-                                      <p:cBhvr>
-                                        <p:cTn id="50" dur="1" fill="hold">
-                                          <p:stCondLst>
-                                            <p:cond delay="0"/>
-                                          </p:stCondLst>
-                                        </p:cTn>
-                                        <p:tgtEl>
-                                          <p:spTgt spid="30"/>
-                                        </p:tgtEl>
-                                        <p:attrNameLst>
-                                          <p:attrName>style.visibility</p:attrName>
-                                        </p:attrNameLst>
-                                      </p:cBhvr>
-                                      <p:to>
-                                        <p:strVal val="visible"/>
-                                      </p:to>
-                                    </p:set>
-                                    <p:anim calcmode="lin" valueType="num">
-                                      <p:cBhvr additive="base">
-                                        <p:cTn id="51" dur="500" fill="hold"/>
-                                        <p:tgtEl>
-                                          <p:spTgt spid="30"/>
-                                        </p:tgtEl>
-                                        <p:attrNameLst>
-                                          <p:attrName>ppt_x</p:attrName>
-                                        </p:attrNameLst>
-                                      </p:cBhvr>
-                                      <p:tavLst>
-                                        <p:tav tm="0">
-                                          <p:val>
-                                            <p:strVal val="#ppt_x"/>
-                                          </p:val>
-                                        </p:tav>
-                                        <p:tav tm="100000">
-                                          <p:val>
-                                            <p:strVal val="#ppt_x"/>
-                                          </p:val>
-                                        </p:tav>
-                                      </p:tavLst>
-                                    </p:anim>
-                                    <p:anim calcmode="lin" valueType="num">
-                                      <p:cBhvr additive="base">
-                                        <p:cTn id="52" dur="500" fill="hold"/>
-                                        <p:tgtEl>
-                                          <p:spTgt spid="30"/>
-                                        </p:tgtEl>
-                                        <p:attrNameLst>
-                                          <p:attrName>ppt_y</p:attrName>
-                                        </p:attrNameLst>
-                                      </p:cBhvr>
-                                      <p:tavLst>
-                                        <p:tav tm="0">
-                                          <p:val>
-                                            <p:strVal val="1+#ppt_h/2"/>
-                                          </p:val>
-                                        </p:tav>
-                                        <p:tav tm="100000">
-                                          <p:val>
-                                            <p:strVal val="#ppt_y"/>
-                                          </p:val>
-                                        </p:tav>
-                                      </p:tavLst>
-                                    </p:anim>
-                                  </p:childTnLst>
-                                </p:cTn>
-                              </p:par>
-                              <p:par>
-                                <p:cTn id="53" presetID="2" presetClass="entr" presetSubtype="4" fill="hold" grpId="0" nodeType="withEffect">
-                                  <p:stCondLst>
-                                    <p:cond delay="0"/>
-                                  </p:stCondLst>
-                                  <p:childTnLst>
-                                    <p:set>
-                                      <p:cBhvr>
-                                        <p:cTn id="54" dur="1" fill="hold">
-                                          <p:stCondLst>
-                                            <p:cond delay="0"/>
-                                          </p:stCondLst>
-                                        </p:cTn>
-                                        <p:tgtEl>
-                                          <p:spTgt spid="22"/>
-                                        </p:tgtEl>
-                                        <p:attrNameLst>
-                                          <p:attrName>style.visibility</p:attrName>
-                                        </p:attrNameLst>
-                                      </p:cBhvr>
-                                      <p:to>
-                                        <p:strVal val="visible"/>
-                                      </p:to>
-                                    </p:set>
-                                    <p:anim calcmode="lin" valueType="num">
-                                      <p:cBhvr additive="base">
-                                        <p:cTn id="55" dur="500" fill="hold"/>
-                                        <p:tgtEl>
-                                          <p:spTgt spid="22"/>
-                                        </p:tgtEl>
-                                        <p:attrNameLst>
-                                          <p:attrName>ppt_x</p:attrName>
-                                        </p:attrNameLst>
-                                      </p:cBhvr>
-                                      <p:tavLst>
-                                        <p:tav tm="0">
-                                          <p:val>
-                                            <p:strVal val="#ppt_x"/>
-                                          </p:val>
-                                        </p:tav>
-                                        <p:tav tm="100000">
-                                          <p:val>
-                                            <p:strVal val="#ppt_x"/>
-                                          </p:val>
-                                        </p:tav>
-                                      </p:tavLst>
-                                    </p:anim>
-                                    <p:anim calcmode="lin" valueType="num">
-                                      <p:cBhvr additive="base">
-                                        <p:cTn id="56" dur="500" fill="hold"/>
-                                        <p:tgtEl>
-                                          <p:spTgt spid="22"/>
-                                        </p:tgtEl>
-                                        <p:attrNameLst>
-                                          <p:attrName>ppt_y</p:attrName>
-                                        </p:attrNameLst>
-                                      </p:cBhvr>
-                                      <p:tavLst>
-                                        <p:tav tm="0">
-                                          <p:val>
-                                            <p:strVal val="1+#ppt_h/2"/>
-                                          </p:val>
-                                        </p:tav>
-                                        <p:tav tm="100000">
-                                          <p:val>
-                                            <p:strVal val="#ppt_y"/>
-                                          </p:val>
-                                        </p:tav>
-                                      </p:tavLst>
-                                    </p:anim>
-                                  </p:childTnLst>
-                                </p:cTn>
-                              </p:par>
-                              <p:par>
-                                <p:cTn id="57" presetID="2" presetClass="entr" presetSubtype="4" fill="hold" grpId="0" nodeType="withEffect">
-                                  <p:stCondLst>
-                                    <p:cond delay="0"/>
-                                  </p:stCondLst>
-                                  <p:childTnLst>
-                                    <p:set>
-                                      <p:cBhvr>
-                                        <p:cTn id="58" dur="1" fill="hold">
-                                          <p:stCondLst>
-                                            <p:cond delay="0"/>
-                                          </p:stCondLst>
-                                        </p:cTn>
-                                        <p:tgtEl>
-                                          <p:spTgt spid="32"/>
-                                        </p:tgtEl>
-                                        <p:attrNameLst>
-                                          <p:attrName>style.visibility</p:attrName>
-                                        </p:attrNameLst>
-                                      </p:cBhvr>
-                                      <p:to>
-                                        <p:strVal val="visible"/>
-                                      </p:to>
-                                    </p:set>
-                                    <p:anim calcmode="lin" valueType="num">
-                                      <p:cBhvr additive="base">
-                                        <p:cTn id="59" dur="500" fill="hold"/>
-                                        <p:tgtEl>
-                                          <p:spTgt spid="32"/>
-                                        </p:tgtEl>
-                                        <p:attrNameLst>
-                                          <p:attrName>ppt_x</p:attrName>
-                                        </p:attrNameLst>
-                                      </p:cBhvr>
-                                      <p:tavLst>
-                                        <p:tav tm="0">
-                                          <p:val>
-                                            <p:strVal val="#ppt_x"/>
-                                          </p:val>
-                                        </p:tav>
-                                        <p:tav tm="100000">
-                                          <p:val>
-                                            <p:strVal val="#ppt_x"/>
-                                          </p:val>
-                                        </p:tav>
-                                      </p:tavLst>
-                                    </p:anim>
-                                    <p:anim calcmode="lin" valueType="num">
-                                      <p:cBhvr additive="base">
-                                        <p:cTn id="60" dur="500" fill="hold"/>
-                                        <p:tgtEl>
-                                          <p:spTgt spid="32"/>
-                                        </p:tgtEl>
-                                        <p:attrNameLst>
-                                          <p:attrName>ppt_y</p:attrName>
-                                        </p:attrNameLst>
-                                      </p:cBhvr>
-                                      <p:tavLst>
-                                        <p:tav tm="0">
-                                          <p:val>
-                                            <p:strVal val="1+#ppt_h/2"/>
-                                          </p:val>
-                                        </p:tav>
-                                        <p:tav tm="100000">
-                                          <p:val>
-                                            <p:strVal val="#ppt_y"/>
-                                          </p:val>
-                                        </p:tav>
-                                      </p:tavLst>
-                                    </p:anim>
-                                  </p:childTnLst>
-                                </p:cTn>
-                              </p:par>
-                              <p:par>
-                                <p:cTn id="61" presetID="2" presetClass="entr" presetSubtype="4" fill="hold" grpId="0" nodeType="withEffect">
-                                  <p:stCondLst>
-                                    <p:cond delay="0"/>
-                                  </p:stCondLst>
-                                  <p:childTnLst>
-                                    <p:set>
-                                      <p:cBhvr>
-                                        <p:cTn id="62" dur="1" fill="hold">
-                                          <p:stCondLst>
-                                            <p:cond delay="0"/>
-                                          </p:stCondLst>
-                                        </p:cTn>
-                                        <p:tgtEl>
-                                          <p:spTgt spid="9"/>
-                                        </p:tgtEl>
-                                        <p:attrNameLst>
-                                          <p:attrName>style.visibility</p:attrName>
-                                        </p:attrNameLst>
-                                      </p:cBhvr>
-                                      <p:to>
-                                        <p:strVal val="visible"/>
-                                      </p:to>
-                                    </p:set>
-                                    <p:anim calcmode="lin" valueType="num">
-                                      <p:cBhvr additive="base">
-                                        <p:cTn id="63" dur="500" fill="hold"/>
-                                        <p:tgtEl>
-                                          <p:spTgt spid="9"/>
-                                        </p:tgtEl>
-                                        <p:attrNameLst>
-                                          <p:attrName>ppt_x</p:attrName>
-                                        </p:attrNameLst>
-                                      </p:cBhvr>
-                                      <p:tavLst>
-                                        <p:tav tm="0">
-                                          <p:val>
-                                            <p:strVal val="#ppt_x"/>
-                                          </p:val>
-                                        </p:tav>
-                                        <p:tav tm="100000">
-                                          <p:val>
-                                            <p:strVal val="#ppt_x"/>
-                                          </p:val>
-                                        </p:tav>
-                                      </p:tavLst>
-                                    </p:anim>
-                                    <p:anim calcmode="lin" valueType="num">
-                                      <p:cBhvr additive="base">
-                                        <p:cTn id="64" dur="500" fill="hold"/>
-                                        <p:tgtEl>
-                                          <p:spTgt spid="9"/>
-                                        </p:tgtEl>
-                                        <p:attrNameLst>
-                                          <p:attrName>ppt_y</p:attrName>
-                                        </p:attrNameLst>
-                                      </p:cBhvr>
-                                      <p:tavLst>
-                                        <p:tav tm="0">
-                                          <p:val>
-                                            <p:strVal val="1+#ppt_h/2"/>
-                                          </p:val>
-                                        </p:tav>
-                                        <p:tav tm="100000">
-                                          <p:val>
-                                            <p:strVal val="#ppt_y"/>
-                                          </p:val>
-                                        </p:tav>
-                                      </p:tavLst>
-                                    </p:anim>
-                                  </p:childTnLst>
-                                </p:cTn>
-                              </p:par>
-                              <p:par>
-                                <p:cTn id="65" presetID="2" presetClass="entr" presetSubtype="4" fill="hold" grpId="0" nodeType="withEffect">
-                                  <p:stCondLst>
-                                    <p:cond delay="0"/>
-                                  </p:stCondLst>
-                                  <p:childTnLst>
-                                    <p:set>
-                                      <p:cBhvr>
-                                        <p:cTn id="66" dur="1" fill="hold">
-                                          <p:stCondLst>
-                                            <p:cond delay="0"/>
-                                          </p:stCondLst>
-                                        </p:cTn>
-                                        <p:tgtEl>
-                                          <p:spTgt spid="27"/>
-                                        </p:tgtEl>
-                                        <p:attrNameLst>
-                                          <p:attrName>style.visibility</p:attrName>
-                                        </p:attrNameLst>
-                                      </p:cBhvr>
-                                      <p:to>
-                                        <p:strVal val="visible"/>
-                                      </p:to>
-                                    </p:set>
-                                    <p:anim calcmode="lin" valueType="num">
-                                      <p:cBhvr additive="base">
-                                        <p:cTn id="67" dur="500" fill="hold"/>
-                                        <p:tgtEl>
-                                          <p:spTgt spid="27"/>
-                                        </p:tgtEl>
-                                        <p:attrNameLst>
-                                          <p:attrName>ppt_x</p:attrName>
-                                        </p:attrNameLst>
-                                      </p:cBhvr>
-                                      <p:tavLst>
-                                        <p:tav tm="0">
-                                          <p:val>
-                                            <p:strVal val="#ppt_x"/>
-                                          </p:val>
-                                        </p:tav>
-                                        <p:tav tm="100000">
-                                          <p:val>
-                                            <p:strVal val="#ppt_x"/>
-                                          </p:val>
-                                        </p:tav>
-                                      </p:tavLst>
-                                    </p:anim>
-                                    <p:anim calcmode="lin" valueType="num">
-                                      <p:cBhvr additive="base">
-                                        <p:cTn id="68" dur="500" fill="hold"/>
-                                        <p:tgtEl>
-                                          <p:spTgt spid="27"/>
-                                        </p:tgtEl>
-                                        <p:attrNameLst>
-                                          <p:attrName>ppt_y</p:attrName>
-                                        </p:attrNameLst>
-                                      </p:cBhvr>
-                                      <p:tavLst>
-                                        <p:tav tm="0">
-                                          <p:val>
-                                            <p:strVal val="1+#ppt_h/2"/>
-                                          </p:val>
-                                        </p:tav>
-                                        <p:tav tm="100000">
-                                          <p:val>
-                                            <p:strVal val="#ppt_y"/>
-                                          </p:val>
-                                        </p:tav>
-                                      </p:tavLst>
-                                    </p:anim>
-                                  </p:childTnLst>
-                                </p:cTn>
-                              </p:par>
-                              <p:par>
-                                <p:cTn id="69" presetID="2" presetClass="entr" presetSubtype="4" fill="hold" grpId="0" nodeType="withEffect">
-                                  <p:stCondLst>
-                                    <p:cond delay="0"/>
-                                  </p:stCondLst>
-                                  <p:childTnLst>
-                                    <p:set>
-                                      <p:cBhvr>
-                                        <p:cTn id="70" dur="1" fill="hold">
-                                          <p:stCondLst>
-                                            <p:cond delay="0"/>
-                                          </p:stCondLst>
-                                        </p:cTn>
-                                        <p:tgtEl>
-                                          <p:spTgt spid="29"/>
-                                        </p:tgtEl>
-                                        <p:attrNameLst>
-                                          <p:attrName>style.visibility</p:attrName>
-                                        </p:attrNameLst>
-                                      </p:cBhvr>
-                                      <p:to>
-                                        <p:strVal val="visible"/>
-                                      </p:to>
-                                    </p:set>
-                                    <p:anim calcmode="lin" valueType="num">
-                                      <p:cBhvr additive="base">
-                                        <p:cTn id="71" dur="500" fill="hold"/>
-                                        <p:tgtEl>
-                                          <p:spTgt spid="29"/>
-                                        </p:tgtEl>
-                                        <p:attrNameLst>
-                                          <p:attrName>ppt_x</p:attrName>
-                                        </p:attrNameLst>
-                                      </p:cBhvr>
-                                      <p:tavLst>
-                                        <p:tav tm="0">
-                                          <p:val>
-                                            <p:strVal val="#ppt_x"/>
-                                          </p:val>
-                                        </p:tav>
-                                        <p:tav tm="100000">
-                                          <p:val>
-                                            <p:strVal val="#ppt_x"/>
-                                          </p:val>
-                                        </p:tav>
-                                      </p:tavLst>
-                                    </p:anim>
-                                    <p:anim calcmode="lin" valueType="num">
-                                      <p:cBhvr additive="base">
-                                        <p:cTn id="72" dur="500" fill="hold"/>
-                                        <p:tgtEl>
-                                          <p:spTgt spid="29"/>
-                                        </p:tgtEl>
-                                        <p:attrNameLst>
-                                          <p:attrName>ppt_y</p:attrName>
-                                        </p:attrNameLst>
-                                      </p:cBhvr>
-                                      <p:tavLst>
-                                        <p:tav tm="0">
-                                          <p:val>
-                                            <p:strVal val="1+#ppt_h/2"/>
-                                          </p:val>
-                                        </p:tav>
-                                        <p:tav tm="100000">
-                                          <p:val>
-                                            <p:strVal val="#ppt_y"/>
-                                          </p:val>
-                                        </p:tav>
-                                      </p:tavLst>
-                                    </p:anim>
-                                  </p:childTnLst>
-                                </p:cTn>
-                              </p:par>
-                              <p:par>
-                                <p:cTn id="73" presetID="2" presetClass="entr" presetSubtype="4" fill="hold" grpId="0" nodeType="withEffect">
-                                  <p:stCondLst>
-                                    <p:cond delay="0"/>
-                                  </p:stCondLst>
-                                  <p:childTnLst>
-                                    <p:set>
-                                      <p:cBhvr>
-                                        <p:cTn id="74" dur="1" fill="hold">
-                                          <p:stCondLst>
-                                            <p:cond delay="0"/>
-                                          </p:stCondLst>
-                                        </p:cTn>
-                                        <p:tgtEl>
-                                          <p:spTgt spid="21"/>
-                                        </p:tgtEl>
-                                        <p:attrNameLst>
-                                          <p:attrName>style.visibility</p:attrName>
-                                        </p:attrNameLst>
-                                      </p:cBhvr>
-                                      <p:to>
-                                        <p:strVal val="visible"/>
-                                      </p:to>
-                                    </p:set>
-                                    <p:anim calcmode="lin" valueType="num">
-                                      <p:cBhvr additive="base">
-                                        <p:cTn id="75" dur="500" fill="hold"/>
-                                        <p:tgtEl>
-                                          <p:spTgt spid="21"/>
-                                        </p:tgtEl>
-                                        <p:attrNameLst>
-                                          <p:attrName>ppt_x</p:attrName>
-                                        </p:attrNameLst>
-                                      </p:cBhvr>
-                                      <p:tavLst>
-                                        <p:tav tm="0">
-                                          <p:val>
-                                            <p:strVal val="#ppt_x"/>
-                                          </p:val>
-                                        </p:tav>
-                                        <p:tav tm="100000">
-                                          <p:val>
-                                            <p:strVal val="#ppt_x"/>
-                                          </p:val>
-                                        </p:tav>
-                                      </p:tavLst>
-                                    </p:anim>
-                                    <p:anim calcmode="lin" valueType="num">
-                                      <p:cBhvr additive="base">
-                                        <p:cTn id="76" dur="500" fill="hold"/>
-                                        <p:tgtEl>
-                                          <p:spTgt spid="21"/>
-                                        </p:tgtEl>
-                                        <p:attrNameLst>
-                                          <p:attrName>ppt_y</p:attrName>
-                                        </p:attrNameLst>
-                                      </p:cBhvr>
-                                      <p:tavLst>
-                                        <p:tav tm="0">
-                                          <p:val>
-                                            <p:strVal val="1+#ppt_h/2"/>
+                                            <p:strVal val="#ppt_y+.1"/>
                                           </p:val>
                                         </p:tav>
                                         <p:tav tm="100000">
@@ -12333,79 +11956,26 @@
                     </p:cTn>
                   </p:par>
                   <p:par>
-                    <p:cTn id="77" fill="hold">
+                    <p:cTn id="73" fill="hold">
                       <p:stCondLst>
                         <p:cond delay="indefinite"/>
                       </p:stCondLst>
                       <p:childTnLst>
                         <p:par>
-                          <p:cTn id="78" fill="hold">
+                          <p:cTn id="74" fill="hold">
                             <p:stCondLst>
                               <p:cond delay="0"/>
                             </p:stCondLst>
                             <p:childTnLst>
                               <p:par>
-                                <p:cTn id="79" presetID="10" presetClass="entr" presetSubtype="0" fill="hold" grpId="0" nodeType="clickEffect">
+                                <p:cTn id="75" presetID="10" presetClass="entr" presetSubtype="0" fill="hold" grpId="0" nodeType="clickEffect">
                                   <p:stCondLst>
                                     <p:cond delay="0"/>
                                   </p:stCondLst>
                                   <p:childTnLst>
                                     <p:set>
                                       <p:cBhvr>
-                                        <p:cTn id="80" dur="1" fill="hold">
-                                          <p:stCondLst>
-                                            <p:cond delay="0"/>
-                                          </p:stCondLst>
-                                        </p:cTn>
-                                        <p:tgtEl>
-                                          <p:spTgt spid="35"/>
-                                        </p:tgtEl>
-                                        <p:attrNameLst>
-                                          <p:attrName>style.visibility</p:attrName>
-                                        </p:attrNameLst>
-                                      </p:cBhvr>
-                                      <p:to>
-                                        <p:strVal val="visible"/>
-                                      </p:to>
-                                    </p:set>
-                                    <p:animEffect transition="in" filter="fade">
-                                      <p:cBhvr>
-                                        <p:cTn id="81" dur="500"/>
-                                        <p:tgtEl>
-                                          <p:spTgt spid="35"/>
-                                        </p:tgtEl>
-                                      </p:cBhvr>
-                                    </p:animEffect>
-                                  </p:childTnLst>
-                                </p:cTn>
-                              </p:par>
-                            </p:childTnLst>
-                          </p:cTn>
-                        </p:par>
-                      </p:childTnLst>
-                    </p:cTn>
-                  </p:par>
-                  <p:par>
-                    <p:cTn id="82" fill="hold">
-                      <p:stCondLst>
-                        <p:cond delay="indefinite"/>
-                      </p:stCondLst>
-                      <p:childTnLst>
-                        <p:par>
-                          <p:cTn id="83" fill="hold">
-                            <p:stCondLst>
-                              <p:cond delay="0"/>
-                            </p:stCondLst>
-                            <p:childTnLst>
-                              <p:par>
-                                <p:cTn id="84" presetID="6" presetClass="entr" presetSubtype="16" fill="hold" grpId="0" nodeType="clickEffect">
-                                  <p:stCondLst>
-                                    <p:cond delay="0"/>
-                                  </p:stCondLst>
-                                  <p:childTnLst>
-                                    <p:set>
-                                      <p:cBhvr>
-                                        <p:cTn id="85" dur="1" fill="hold">
+                                        <p:cTn id="76" dur="1" fill="hold">
                                           <p:stCondLst>
                                             <p:cond delay="0"/>
                                           </p:stCondLst>
@@ -12421,9 +11991,9 @@
                                         <p:strVal val="visible"/>
                                       </p:to>
                                     </p:set>
-                                    <p:animEffect transition="in" filter="circle(in)">
+                                    <p:animEffect transition="in" filter="fade">
                                       <p:cBhvr>
-                                        <p:cTn id="86" dur="2000"/>
+                                        <p:cTn id="77" dur="500"/>
                                         <p:tgtEl>
                                           <p:spTgt spid="36"/>
                                         </p:tgtEl>

--- a/자료구조설계 발표.pptx
+++ b/자료구조설계 발표.pptx
@@ -6707,7 +6707,7 @@
         </p:nvSpPr>
         <p:spPr>
           <a:xfrm>
-            <a:off x="2123728" y="1650076"/>
+            <a:off x="1867452" y="1410382"/>
             <a:ext cx="2026568" cy="1698737"/>
           </a:xfrm>
           <a:prstGeom prst="ellipse">
@@ -7047,7 +7047,7 @@
         </p:nvSpPr>
         <p:spPr>
           <a:xfrm>
-            <a:off x="1899398" y="1599343"/>
+            <a:off x="1656600" y="1387462"/>
             <a:ext cx="2448272" cy="1800200"/>
           </a:xfrm>
           <a:prstGeom prst="rect">
@@ -7152,7 +7152,7 @@
         </p:nvSpPr>
         <p:spPr>
           <a:xfrm>
-            <a:off x="5707964" y="1650075"/>
+            <a:off x="5319164" y="1417638"/>
             <a:ext cx="2026568" cy="1698737"/>
           </a:xfrm>
           <a:prstGeom prst="ellipse">
@@ -7207,7 +7207,7 @@
         </p:nvSpPr>
         <p:spPr>
           <a:xfrm>
-            <a:off x="5521699" y="1599343"/>
+            <a:off x="5108312" y="1389314"/>
             <a:ext cx="2448272" cy="1800200"/>
           </a:xfrm>
           <a:prstGeom prst="rect">
@@ -7299,7 +7299,7 @@
         </p:nvSpPr>
         <p:spPr>
           <a:xfrm>
-            <a:off x="410617" y="4130937"/>
+            <a:off x="674581" y="4119216"/>
             <a:ext cx="2026568" cy="1698737"/>
           </a:xfrm>
           <a:prstGeom prst="ellipse">
@@ -7371,7 +7371,7 @@
         </p:nvSpPr>
         <p:spPr>
           <a:xfrm>
-            <a:off x="3495131" y="4158921"/>
+            <a:off x="3513414" y="4158921"/>
             <a:ext cx="2026568" cy="1698737"/>
           </a:xfrm>
           <a:prstGeom prst="ellipse">
@@ -7437,7 +7437,7 @@
         </p:nvSpPr>
         <p:spPr>
           <a:xfrm>
-            <a:off x="182389" y="4117594"/>
+            <a:off x="401433" y="4087634"/>
             <a:ext cx="2448272" cy="1800200"/>
           </a:xfrm>
           <a:prstGeom prst="rect">
@@ -7523,7 +7523,7 @@
         </p:nvSpPr>
         <p:spPr>
           <a:xfrm>
-            <a:off x="3259692" y="4130937"/>
+            <a:off x="3375729" y="4108189"/>
             <a:ext cx="2448272" cy="1800200"/>
           </a:xfrm>
           <a:prstGeom prst="rect">
@@ -8141,8 +8141,8 @@
         </p:nvSpPr>
         <p:spPr>
           <a:xfrm>
-            <a:off x="-71470" y="6379029"/>
-            <a:ext cx="5904412" cy="478971"/>
+            <a:off x="-71470" y="6461153"/>
+            <a:ext cx="5904412" cy="396847"/>
           </a:xfrm>
           <a:custGeom>
             <a:avLst/>
@@ -8241,8 +8241,8 @@
         </p:nvSpPr>
         <p:spPr>
           <a:xfrm rot="10800000">
-            <a:off x="5357818" y="6379028"/>
-            <a:ext cx="3786182" cy="478971"/>
+            <a:off x="5357818" y="6461149"/>
+            <a:ext cx="3786182" cy="396849"/>
           </a:xfrm>
           <a:custGeom>
             <a:avLst/>
@@ -8672,7 +8672,7 @@
         </p:nvSpPr>
         <p:spPr>
           <a:xfrm>
-            <a:off x="46647" y="2939000"/>
+            <a:off x="46647" y="2756835"/>
             <a:ext cx="9144000" cy="642942"/>
           </a:xfrm>
           <a:prstGeom prst="rect">
@@ -8791,7 +8791,7 @@
         </p:nvSpPr>
         <p:spPr>
           <a:xfrm>
-            <a:off x="0" y="4467401"/>
+            <a:off x="-1205" y="4133591"/>
             <a:ext cx="9144000" cy="642942"/>
           </a:xfrm>
           <a:prstGeom prst="rect">
@@ -8849,7 +8849,7 @@
         </p:nvSpPr>
         <p:spPr>
           <a:xfrm>
-            <a:off x="236247" y="2922306"/>
+            <a:off x="236247" y="2739506"/>
             <a:ext cx="7776864" cy="574966"/>
           </a:xfrm>
           <a:prstGeom prst="rect">
@@ -8903,7 +8903,7 @@
         </p:nvSpPr>
         <p:spPr>
           <a:xfrm>
-            <a:off x="236247" y="3679035"/>
+            <a:off x="46647" y="3505245"/>
             <a:ext cx="7776864" cy="574966"/>
           </a:xfrm>
           <a:prstGeom prst="rect">
@@ -8981,7 +8981,7 @@
         </p:nvSpPr>
         <p:spPr>
           <a:xfrm>
-            <a:off x="227435" y="4430863"/>
+            <a:off x="201898" y="4160168"/>
             <a:ext cx="7776864" cy="574966"/>
           </a:xfrm>
           <a:prstGeom prst="rect">
@@ -9028,7 +9028,7 @@
         </p:nvSpPr>
         <p:spPr>
           <a:xfrm>
-            <a:off x="236247" y="5235203"/>
+            <a:off x="141980" y="4825948"/>
             <a:ext cx="7776864" cy="574966"/>
           </a:xfrm>
           <a:prstGeom prst="rect">
@@ -9060,6 +9060,56 @@
                 <a:ea typeface="KoPub돋움체 Bold" panose="02020603020101020101" pitchFamily="18" charset="-127"/>
               </a:rPr>
               <a:t>가까운 장소 찾기</a:t>
+            </a:r>
+          </a:p>
+        </p:txBody>
+      </p:sp>
+      <p:sp>
+        <p:nvSpPr>
+          <p:cNvPr id="27" name="TextBox 26">
+            <a:extLst>
+              <a:ext uri="{FF2B5EF4-FFF2-40B4-BE49-F238E27FC236}">
+                <a16:creationId xmlns:a16="http://schemas.microsoft.com/office/drawing/2014/main" id="{5A93B3E1-6705-496A-B1FC-0BFCF34CCCC3}"/>
+              </a:ext>
+            </a:extLst>
+          </p:cNvPr>
+          <p:cNvSpPr txBox="1"/>
+          <p:nvPr/>
+        </p:nvSpPr>
+        <p:spPr>
+          <a:xfrm>
+            <a:off x="141980" y="5339264"/>
+            <a:ext cx="7776864" cy="591765"/>
+          </a:xfrm>
+          <a:prstGeom prst="rect">
+            <a:avLst/>
+          </a:prstGeom>
+          <a:noFill/>
+        </p:spPr>
+        <p:txBody>
+          <a:bodyPr wrap="square" rtlCol="0">
+            <a:spAutoFit/>
+          </a:bodyPr>
+          <a:lstStyle/>
+          <a:p>
+            <a:pPr marL="514350" indent="-514350">
+              <a:lnSpc>
+                <a:spcPct val="150000"/>
+              </a:lnSpc>
+            </a:pPr>
+            <a:r>
+              <a:rPr lang="en-US" altLang="ko-KR" sz="2400" dirty="0">
+                <a:latin typeface="KoPub돋움체 Bold" panose="02020603020101020101" pitchFamily="18" charset="-127"/>
+                <a:ea typeface="KoPub돋움체 Bold" panose="02020603020101020101" pitchFamily="18" charset="-127"/>
+              </a:rPr>
+              <a:t>-</a:t>
+            </a:r>
+            <a:r>
+              <a:rPr lang="ko-KR" altLang="en-US" sz="2400" dirty="0">
+                <a:latin typeface="KoPub돋움체 Bold" panose="02020603020101020101" pitchFamily="18" charset="-127"/>
+                <a:ea typeface="KoPub돋움체 Bold" panose="02020603020101020101" pitchFamily="18" charset="-127"/>
+              </a:rPr>
+              <a:t>새로 설치할 적절한 서비스 장소 찾기</a:t>
             </a:r>
           </a:p>
         </p:txBody>
@@ -9236,6 +9286,59 @@
                       </p:childTnLst>
                     </p:cTn>
                   </p:par>
+                  <p:par>
+                    <p:cTn id="18" fill="hold">
+                      <p:stCondLst>
+                        <p:cond delay="indefinite"/>
+                      </p:stCondLst>
+                      <p:childTnLst>
+                        <p:par>
+                          <p:cTn id="19" fill="hold">
+                            <p:stCondLst>
+                              <p:cond delay="0"/>
+                            </p:stCondLst>
+                            <p:childTnLst>
+                              <p:par>
+                                <p:cTn id="20" presetID="10" presetClass="entr" presetSubtype="0" fill="hold" grpId="0" nodeType="clickEffect">
+                                  <p:stCondLst>
+                                    <p:cond delay="0"/>
+                                  </p:stCondLst>
+                                  <p:childTnLst>
+                                    <p:set>
+                                      <p:cBhvr>
+                                        <p:cTn id="21" dur="1" fill="hold">
+                                          <p:stCondLst>
+                                            <p:cond delay="0"/>
+                                          </p:stCondLst>
+                                        </p:cTn>
+                                        <p:tgtEl>
+                                          <p:spTgt spid="27"/>
+                                        </p:tgtEl>
+                                        <p:attrNameLst>
+                                          <p:attrName>style.visibility</p:attrName>
+                                        </p:attrNameLst>
+                                      </p:cBhvr>
+                                      <p:to>
+                                        <p:strVal val="visible"/>
+                                      </p:to>
+                                    </p:set>
+                                    <p:animEffect transition="in" filter="fade">
+                                      <p:cBhvr>
+                                        <p:cTn id="22" dur="500"/>
+                                        <p:tgtEl>
+                                          <p:spTgt spid="27"/>
+                                        </p:tgtEl>
+                                      </p:cBhvr>
+                                    </p:animEffect>
+                                  </p:childTnLst>
+                                </p:cTn>
+                              </p:par>
+                            </p:childTnLst>
+                          </p:cTn>
+                        </p:par>
+                      </p:childTnLst>
+                    </p:cTn>
+                  </p:par>
                 </p:childTnLst>
               </p:cTn>
               <p:prevCondLst>
@@ -9261,6 +9364,7 @@
       <p:bldP spid="18" grpId="0"/>
       <p:bldP spid="21" grpId="0"/>
       <p:bldP spid="23" grpId="0"/>
+      <p:bldP spid="27" grpId="0"/>
     </p:bldLst>
   </p:timing>
 </p:sld>
